--- a/Assets/졸업작품제안서(201721963정찬욱).pptx
+++ b/Assets/졸업작품제안서(201721963정찬욱).pptx
@@ -278,7 +278,7 @@
                 </a:solidFill>
               </a:rPr>
               <a:pPr/>
-              <a:t>2022-03-04</a:t>
+              <a:t>2022. 3. 13.</a:t>
             </a:fld>
             <a:endParaRPr lang="ko-KR" altLang="en-US">
               <a:solidFill>
@@ -508,7 +508,7 @@
                 </a:solidFill>
               </a:rPr>
               <a:pPr/>
-              <a:t>2022-03-04</a:t>
+              <a:t>2022. 3. 13.</a:t>
             </a:fld>
             <a:endParaRPr lang="ko-KR" altLang="en-US">
               <a:solidFill>
@@ -748,7 +748,7 @@
                 </a:solidFill>
               </a:rPr>
               <a:pPr/>
-              <a:t>2022-03-04</a:t>
+              <a:t>2022. 3. 13.</a:t>
             </a:fld>
             <a:endParaRPr lang="ko-KR" altLang="en-US">
               <a:solidFill>
@@ -978,7 +978,7 @@
                 </a:solidFill>
               </a:rPr>
               <a:pPr/>
-              <a:t>2022-03-04</a:t>
+              <a:t>2022. 3. 13.</a:t>
             </a:fld>
             <a:endParaRPr lang="ko-KR" altLang="en-US">
               <a:solidFill>
@@ -1285,7 +1285,7 @@
                 </a:solidFill>
               </a:rPr>
               <a:pPr/>
-              <a:t>2022-03-04</a:t>
+              <a:t>2022. 3. 13.</a:t>
             </a:fld>
             <a:endParaRPr lang="ko-KR" altLang="en-US">
               <a:solidFill>
@@ -1582,7 +1582,7 @@
                 </a:solidFill>
               </a:rPr>
               <a:pPr/>
-              <a:t>2022-03-04</a:t>
+              <a:t>2022. 3. 13.</a:t>
             </a:fld>
             <a:endParaRPr lang="ko-KR" altLang="en-US">
               <a:solidFill>
@@ -2026,7 +2026,7 @@
                 </a:solidFill>
               </a:rPr>
               <a:pPr/>
-              <a:t>2022-03-04</a:t>
+              <a:t>2022. 3. 13.</a:t>
             </a:fld>
             <a:endParaRPr lang="ko-KR" altLang="en-US">
               <a:solidFill>
@@ -2199,7 +2199,7 @@
                 </a:solidFill>
               </a:rPr>
               <a:pPr/>
-              <a:t>2022-03-04</a:t>
+              <a:t>2022. 3. 13.</a:t>
             </a:fld>
             <a:endParaRPr lang="ko-KR" altLang="en-US">
               <a:solidFill>
@@ -2344,7 +2344,7 @@
                 </a:solidFill>
               </a:rPr>
               <a:pPr/>
-              <a:t>2022-03-04</a:t>
+              <a:t>2022. 3. 13.</a:t>
             </a:fld>
             <a:endParaRPr lang="ko-KR" altLang="en-US">
               <a:solidFill>
@@ -2687,7 +2687,7 @@
                 </a:solidFill>
               </a:rPr>
               <a:pPr/>
-              <a:t>2022-03-04</a:t>
+              <a:t>2022. 3. 13.</a:t>
             </a:fld>
             <a:endParaRPr lang="ko-KR" altLang="en-US">
               <a:solidFill>
@@ -3007,7 +3007,7 @@
                 </a:solidFill>
               </a:rPr>
               <a:pPr/>
-              <a:t>2022-03-04</a:t>
+              <a:t>2022. 3. 13.</a:t>
             </a:fld>
             <a:endParaRPr lang="ko-KR" altLang="en-US">
               <a:solidFill>
@@ -3283,7 +3283,7 @@
                 </a:solidFill>
               </a:rPr>
               <a:pPr/>
-              <a:t>2022-03-04</a:t>
+              <a:t>2022. 3. 13.</a:t>
             </a:fld>
             <a:endParaRPr lang="ko-KR" altLang="en-US">
               <a:solidFill>
@@ -19497,115 +19497,7 @@
                     <a:schemeClr val="tx1"/>
                   </a:solidFill>
                 </a:rPr>
-                <a:t>하루에 주어진 시간은 모두에게 동등하다</a:t>
-              </a:r>
-              <a:r>
-                <a:rPr lang="en-US" altLang="ko-KR" dirty="0">
-                  <a:solidFill>
-                    <a:schemeClr val="tx1"/>
-                  </a:solidFill>
-                </a:rPr>
-                <a:t>.</a:t>
-              </a:r>
-              <a:r>
-                <a:rPr lang="ko-KR" altLang="en-US" dirty="0">
-                  <a:solidFill>
-                    <a:schemeClr val="tx1"/>
-                  </a:solidFill>
-                </a:rPr>
-                <a:t> 그 시간을 개인이 얼마나 잘 소비하는지에 따라서 누군가에게는 매일 똑같은 하루가 될 것이고</a:t>
-              </a:r>
-              <a:r>
-                <a:rPr lang="en-US" altLang="ko-KR" dirty="0">
-                  <a:solidFill>
-                    <a:schemeClr val="tx1"/>
-                  </a:solidFill>
-                </a:rPr>
-                <a:t>,</a:t>
-              </a:r>
-              <a:r>
-                <a:rPr lang="ko-KR" altLang="en-US" dirty="0">
-                  <a:solidFill>
-                    <a:schemeClr val="tx1"/>
-                  </a:solidFill>
-                </a:rPr>
-                <a:t> 누군가에게는 매일이 새롭고 행복한 하루가 되어 삶의 질이 높아진다</a:t>
-              </a:r>
-              <a:r>
-                <a:rPr lang="en-US" altLang="ko-KR" dirty="0">
-                  <a:solidFill>
-                    <a:schemeClr val="tx1"/>
-                  </a:solidFill>
-                </a:rPr>
-                <a:t>.</a:t>
-              </a:r>
-            </a:p>
-            <a:p>
-              <a:endParaRPr lang="en-US" altLang="ko-KR" dirty="0">
-                <a:solidFill>
-                  <a:schemeClr val="tx1"/>
-                </a:solidFill>
-              </a:endParaRPr>
-            </a:p>
-            <a:p>
-              <a:pPr marL="285750" indent="-285750">
-                <a:buFontTx/>
-                <a:buChar char="-"/>
-              </a:pPr>
-              <a:r>
-                <a:rPr lang="ko-KR" altLang="en-US" dirty="0">
-                  <a:solidFill>
-                    <a:schemeClr val="tx1"/>
-                  </a:solidFill>
-                </a:rPr>
-                <a:t>하지만 매일 기록하고 수많은 상황으로 인해 매일을 기억하기 힘들다</a:t>
-              </a:r>
-              <a:r>
-                <a:rPr lang="en-US" altLang="ko-KR" dirty="0">
-                  <a:solidFill>
-                    <a:schemeClr val="tx1"/>
-                  </a:solidFill>
-                </a:rPr>
-                <a:t>.</a:t>
-              </a:r>
-            </a:p>
-            <a:p>
-              <a:r>
-                <a:rPr lang="ko-KR" altLang="en-US" dirty="0">
-                  <a:solidFill>
-                    <a:schemeClr val="tx1"/>
-                  </a:solidFill>
-                </a:rPr>
-                <a:t>   다이어리에서 해시태그 검색을 통해 매일을 돌아보고 기억할 수 있다</a:t>
-              </a:r>
-              <a:r>
-                <a:rPr lang="en-US" altLang="ko-KR" dirty="0">
-                  <a:solidFill>
-                    <a:schemeClr val="tx1"/>
-                  </a:solidFill>
-                </a:rPr>
-                <a:t>.</a:t>
-              </a:r>
-            </a:p>
-            <a:p>
-              <a:endParaRPr lang="en-US" altLang="ko-KR" dirty="0">
-                <a:solidFill>
-                  <a:schemeClr val="tx1"/>
-                </a:solidFill>
-              </a:endParaRPr>
-            </a:p>
-            <a:p>
-              <a:pPr marL="285750" indent="-285750">
-                <a:buFontTx/>
-                <a:buChar char="-"/>
-              </a:pPr>
-              <a:r>
-                <a:rPr lang="ko-KR" altLang="en-US" dirty="0">
-                  <a:solidFill>
-                    <a:schemeClr val="tx1"/>
-                  </a:solidFill>
-                </a:rPr>
-                <a:t>시간에 비해 할 일이 많은 사람들은 할 일을 까먹는 상황도 발생하기 마련이다</a:t>
+                <a:t>하루에 주어진 시간은 모두에게 동등합니다</a:t>
               </a:r>
               <a:r>
                 <a:rPr lang="en-US" altLang="ko-KR" dirty="0">
@@ -19636,7 +19528,60 @@
                     <a:schemeClr val="tx1"/>
                   </a:solidFill>
                 </a:rPr>
-                <a:t>    </a:t>
+                <a:t>   동등한 그 시간 활용에 따라 지루한 하루</a:t>
+              </a:r>
+              <a:r>
+                <a:rPr lang="en-US" altLang="ko-KR" dirty="0">
+                  <a:solidFill>
+                    <a:schemeClr val="tx1"/>
+                  </a:solidFill>
+                </a:rPr>
+                <a:t>,</a:t>
+              </a:r>
+              <a:r>
+                <a:rPr lang="ko-KR" altLang="en-US" dirty="0">
+                  <a:solidFill>
+                    <a:schemeClr val="tx1"/>
+                  </a:solidFill>
+                </a:rPr>
+                <a:t> 또는 특별한 하루가 되어 삶의 질이 높아집니다</a:t>
+              </a:r>
+              <a:r>
+                <a:rPr lang="en-US" altLang="ko-KR" dirty="0">
+                  <a:solidFill>
+                    <a:schemeClr val="tx1"/>
+                  </a:solidFill>
+                </a:rPr>
+                <a:t>.</a:t>
+              </a:r>
+            </a:p>
+            <a:p>
+              <a:endParaRPr lang="en-US" altLang="ko-KR" dirty="0">
+                <a:solidFill>
+                  <a:schemeClr val="tx1"/>
+                </a:solidFill>
+              </a:endParaRPr>
+            </a:p>
+            <a:p>
+              <a:pPr marL="285750" indent="-285750">
+                <a:buFontTx/>
+                <a:buChar char="-"/>
+              </a:pPr>
+              <a:r>
+                <a:rPr lang="en-US" altLang="ko-KR" dirty="0">
+                  <a:solidFill>
+                    <a:schemeClr val="tx1"/>
+                  </a:solidFill>
+                </a:rPr>
+                <a:t>“</a:t>
+              </a:r>
+              <a:r>
+                <a:rPr lang="ko-KR" altLang="en-US" dirty="0">
+                  <a:solidFill>
+                    <a:schemeClr val="tx1"/>
+                  </a:solidFill>
+                </a:rPr>
+                <a:t>어제 내가 </a:t>
               </a:r>
               <a:r>
                 <a:rPr lang="ko-KR" altLang="en-US" dirty="0" err="1">
@@ -19644,7 +19589,15 @@
                     <a:schemeClr val="tx1"/>
                   </a:solidFill>
                 </a:rPr>
-                <a:t>투두를</a:t>
+                <a:t>뭐먹었지</a:t>
+              </a:r>
+              <a:r>
+                <a:rPr lang="en-US" altLang="ko-KR" dirty="0">
+                  <a:solidFill>
+                    <a:schemeClr val="tx1"/>
+                  </a:solidFill>
+                </a:rPr>
+                <a:t>?”,</a:t>
               </a:r>
               <a:r>
                 <a:rPr lang="ko-KR" altLang="en-US" dirty="0">
@@ -19652,7 +19605,59 @@
                     <a:schemeClr val="tx1"/>
                   </a:solidFill>
                 </a:rPr>
-                <a:t> 통해 하루 할 일을 체크하며 살아간다면 위 상황이 일어날 확률을 적어진다</a:t>
+                <a:t> </a:t>
+              </a:r>
+              <a:r>
+                <a:rPr lang="en-US" altLang="ko-KR" dirty="0">
+                  <a:solidFill>
+                    <a:schemeClr val="tx1"/>
+                  </a:solidFill>
+                </a:rPr>
+                <a:t>“</a:t>
+              </a:r>
+              <a:r>
+                <a:rPr lang="ko-KR" altLang="en-US" dirty="0">
+                  <a:solidFill>
+                    <a:schemeClr val="tx1"/>
+                  </a:solidFill>
+                </a:rPr>
+                <a:t>지난주 월요일에 뭘 했지</a:t>
+              </a:r>
+              <a:r>
+                <a:rPr lang="en-US" altLang="ko-KR" dirty="0">
+                  <a:solidFill>
+                    <a:schemeClr val="tx1"/>
+                  </a:solidFill>
+                </a:rPr>
+                <a:t>?”</a:t>
+              </a:r>
+            </a:p>
+            <a:p>
+              <a:r>
+                <a:rPr lang="ko-KR" altLang="en-US" dirty="0">
+                  <a:solidFill>
+                    <a:schemeClr val="tx1"/>
+                  </a:solidFill>
+                </a:rPr>
+                <a:t>    위의 말처럼 최근의 일도 기억해내지 못하는 상황이 일어납니다</a:t>
+              </a:r>
+              <a:r>
+                <a:rPr lang="en-US" altLang="ko-KR" dirty="0">
+                  <a:solidFill>
+                    <a:schemeClr val="tx1"/>
+                  </a:solidFill>
+                </a:rPr>
+                <a:t>.</a:t>
+              </a:r>
+            </a:p>
+            <a:p>
+              <a:r>
+                <a:rPr lang="ko-KR" altLang="en-US" dirty="0">
+                  <a:solidFill>
+                    <a:schemeClr val="tx1"/>
+                  </a:solidFill>
+                </a:rPr>
+                <a:t>    검색 기능을 통해 좀 더 쉽게 상기 시켜줍니다</a:t>
               </a:r>
               <a:r>
                 <a:rPr lang="en-US" altLang="ko-KR" dirty="0">
@@ -19681,23 +19686,25 @@
                     <a:schemeClr val="tx1"/>
                   </a:solidFill>
                 </a:rPr>
-                <a:t>다이어리와 </a:t>
+                <a:t>바쁜 현대인들은 일과 공부에 힘들게 삽니다</a:t>
               </a:r>
               <a:r>
-                <a:rPr lang="ko-KR" altLang="en-US" dirty="0" err="1">
+                <a:rPr lang="en-US" altLang="ko-KR" dirty="0">
                   <a:solidFill>
                     <a:schemeClr val="tx1"/>
                   </a:solidFill>
                 </a:rPr>
-                <a:t>투두를</a:t>
+                <a:t>.</a:t>
               </a:r>
+            </a:p>
+            <a:p>
               <a:r>
                 <a:rPr lang="ko-KR" altLang="en-US" dirty="0">
                   <a:solidFill>
                     <a:schemeClr val="tx1"/>
                   </a:solidFill>
                 </a:rPr>
-                <a:t> 통해 매일을 기록하고</a:t>
+                <a:t>   그 와중에도 하나하나의 일을 완료해가며</a:t>
               </a:r>
               <a:r>
                 <a:rPr lang="en-US" altLang="ko-KR" dirty="0">
@@ -19713,7 +19720,7 @@
                     <a:schemeClr val="tx1"/>
                   </a:solidFill>
                 </a:rPr>
-                <a:t> 계획적인 하루가 된다면 삶의 질의 향상이라는    값 좋은 결과를 얻어낼 것이다</a:t>
+                <a:t> 성취감과 소소한 행복함을 느낍니다</a:t>
               </a:r>
               <a:r>
                 <a:rPr lang="en-US" altLang="ko-KR" dirty="0">
@@ -19732,13 +19739,68 @@
               </a:endParaRPr>
             </a:p>
             <a:p>
-              <a:endParaRPr lang="en-US" altLang="ko-KR" dirty="0">
-                <a:solidFill>
-                  <a:schemeClr val="tx1"/>
-                </a:solidFill>
-              </a:endParaRPr>
+              <a:pPr marL="285750" indent="-285750">
+                <a:buFontTx/>
+                <a:buChar char="-"/>
+              </a:pPr>
+              <a:r>
+                <a:rPr lang="ko-KR" altLang="en-US" dirty="0">
+                  <a:solidFill>
+                    <a:schemeClr val="tx1"/>
+                  </a:solidFill>
+                </a:rPr>
+                <a:t>다이어리를 통해 사소한 추억을 쌓고 </a:t>
+              </a:r>
+              <a:r>
+                <a:rPr lang="ko-KR" altLang="en-US" dirty="0" err="1">
+                  <a:solidFill>
+                    <a:schemeClr val="tx1"/>
+                  </a:solidFill>
+                </a:rPr>
+                <a:t>투두를</a:t>
+              </a:r>
+              <a:r>
+                <a:rPr lang="ko-KR" altLang="en-US" dirty="0">
+                  <a:solidFill>
+                    <a:schemeClr val="tx1"/>
+                  </a:solidFill>
+                </a:rPr>
+                <a:t> 통해 사소한 성취감을 느낍니다</a:t>
+              </a:r>
+              <a:r>
+                <a:rPr lang="en-US" altLang="ko-KR" dirty="0">
+                  <a:solidFill>
+                    <a:schemeClr val="tx1"/>
+                  </a:solidFill>
+                </a:rPr>
+                <a:t>.</a:t>
+              </a:r>
             </a:p>
             <a:p>
+              <a:r>
+                <a:rPr lang="ko-KR" altLang="en-US" dirty="0">
+                  <a:solidFill>
+                    <a:schemeClr val="tx1"/>
+                  </a:solidFill>
+                </a:rPr>
+                <a:t>   사소하지만 매일 추억과 성취감을 얻음으로써 현대인들이 보다 나은 일상을 보낼 수 있습니다</a:t>
+              </a:r>
+              <a:r>
+                <a:rPr lang="en-US" altLang="ko-KR" dirty="0">
+                  <a:solidFill>
+                    <a:schemeClr val="tx1"/>
+                  </a:solidFill>
+                </a:rPr>
+                <a:t>.</a:t>
+              </a:r>
+              <a:r>
+                <a:rPr lang="ko-KR" altLang="en-US" dirty="0">
+                  <a:solidFill>
+                    <a:schemeClr val="tx1"/>
+                  </a:solidFill>
+                </a:rPr>
+                <a:t> </a:t>
+              </a:r>
               <a:endParaRPr lang="en-US" altLang="ko-KR" dirty="0">
                 <a:solidFill>
                   <a:schemeClr val="tx1"/>
